--- a/Y2-Sem1/就活の日本語/日本語プレせん_02.pptx
+++ b/Y2-Sem1/就活の日本語/日本語プレせん_02.pptx
@@ -5,7 +5,7 @@
     <p:sldMasterId id="2147483713" r:id="rId1"/>
   </p:sldMasterIdLst>
   <p:notesMasterIdLst>
-    <p:notesMasterId r:id="rId18"/>
+    <p:notesMasterId r:id="rId19"/>
   </p:notesMasterIdLst>
   <p:sldIdLst>
     <p:sldId id="256" r:id="rId2"/>
@@ -24,6 +24,7 @@
     <p:sldId id="273" r:id="rId15"/>
     <p:sldId id="274" r:id="rId16"/>
     <p:sldId id="275" r:id="rId17"/>
+    <p:sldId id="277" r:id="rId18"/>
   </p:sldIdLst>
   <p:sldSz cx="12192000" cy="6858000"/>
   <p:notesSz cx="6858000" cy="9144000"/>
@@ -212,7 +213,7 @@
           <a:p>
             <a:fld id="{7530473B-DACD-D14E-9F1C-051B74F07CC3}" type="datetimeFigureOut">
               <a:rPr kumimoji="1" lang="zh-TW" altLang="en-US" smtClean="0"/>
-              <a:t>2023/6/15</a:t>
+              <a:t>2023/6/29</a:t>
             </a:fld>
             <a:endParaRPr kumimoji="1" lang="zh-TW" altLang="en-US"/>
           </a:p>
@@ -523,7 +524,7 @@
           <a:bodyPr/>
           <a:lstStyle/>
           <a:p>
-            <a:endParaRPr kumimoji="1" lang="zh-TW" altLang="en-US" dirty="0"/>
+            <a:endParaRPr kumimoji="1" lang="zh-TW" altLang="en-US"/>
           </a:p>
         </p:txBody>
       </p:sp>
@@ -710,9 +711,9 @@
           <a:p>
             <a:fld id="{82EDB8D0-98ED-4B86-9D5F-E61ADC70144D}" type="datetimeFigureOut">
               <a:rPr lang="en-US" smtClean="0"/>
-              <a:t>6/15/23</a:t>
+              <a:t>6/29/23</a:t>
             </a:fld>
-            <a:endParaRPr lang="en-US" dirty="0"/>
+            <a:endParaRPr lang="en-US"/>
           </a:p>
         </p:txBody>
       </p:sp>
@@ -970,7 +971,7 @@
               <a:tabLst/>
               <a:defRPr/>
             </a:pPr>
-            <a:endParaRPr kumimoji="0" lang="en-US" sz="1800" b="0" i="0" u="none" strike="noStrike" kern="1200" cap="none" spc="0" normalizeH="0" baseline="0" noProof="0" dirty="0">
+            <a:endParaRPr kumimoji="0" lang="en-US" sz="1800" b="0" i="0" u="none" strike="noStrike" kern="1200" cap="none" spc="0" normalizeH="0" baseline="0" noProof="0">
               <a:ln>
                 <a:noFill/>
               </a:ln>
@@ -1125,7 +1126,7 @@
           <a:p>
             <a:fld id="{82EDB8D0-98ED-4B86-9D5F-E61ADC70144D}" type="datetimeFigureOut">
               <a:rPr lang="en-US" smtClean="0"/>
-              <a:t>6/15/23</a:t>
+              <a:t>6/29/23</a:t>
             </a:fld>
             <a:endParaRPr lang="en-US"/>
           </a:p>
@@ -1617,7 +1618,7 @@
           <a:p>
             <a:fld id="{82EDB8D0-98ED-4B86-9D5F-E61ADC70144D}" type="datetimeFigureOut">
               <a:rPr lang="en-US" smtClean="0"/>
-              <a:t>6/15/23</a:t>
+              <a:t>6/29/23</a:t>
             </a:fld>
             <a:endParaRPr lang="en-US"/>
           </a:p>
@@ -2104,9 +2105,9 @@
           <a:p>
             <a:fld id="{82EDB8D0-98ED-4B86-9D5F-E61ADC70144D}" type="datetimeFigureOut">
               <a:rPr lang="en-US" smtClean="0"/>
-              <a:t>6/15/23</a:t>
+              <a:t>6/29/23</a:t>
             </a:fld>
-            <a:endParaRPr lang="en-US" dirty="0"/>
+            <a:endParaRPr lang="en-US"/>
           </a:p>
         </p:txBody>
       </p:sp>
@@ -2873,7 +2874,7 @@
           <a:p>
             <a:fld id="{82EDB8D0-98ED-4B86-9D5F-E61ADC70144D}" type="datetimeFigureOut">
               <a:rPr lang="en-US" smtClean="0"/>
-              <a:t>6/15/23</a:t>
+              <a:t>6/29/23</a:t>
             </a:fld>
             <a:endParaRPr lang="en-US"/>
           </a:p>
@@ -3133,7 +3134,7 @@
               <a:tabLst/>
               <a:defRPr/>
             </a:pPr>
-            <a:endParaRPr kumimoji="0" lang="en-US" sz="1800" b="0" i="0" u="none" strike="noStrike" kern="1200" cap="none" spc="0" normalizeH="0" baseline="0" noProof="0" dirty="0">
+            <a:endParaRPr kumimoji="0" lang="en-US" sz="1800" b="0" i="0" u="none" strike="noStrike" kern="1200" cap="none" spc="0" normalizeH="0" baseline="0" noProof="0">
               <a:ln>
                 <a:noFill/>
               </a:ln>
@@ -3355,7 +3356,7 @@
           <a:p>
             <a:fld id="{82EDB8D0-98ED-4B86-9D5F-E61ADC70144D}" type="datetimeFigureOut">
               <a:rPr lang="en-US" smtClean="0"/>
-              <a:t>6/15/23</a:t>
+              <a:t>6/29/23</a:t>
             </a:fld>
             <a:endParaRPr lang="en-US"/>
           </a:p>
@@ -4051,7 +4052,7 @@
           <a:p>
             <a:fld id="{82EDB8D0-98ED-4B86-9D5F-E61ADC70144D}" type="datetimeFigureOut">
               <a:rPr lang="en-US" smtClean="0"/>
-              <a:t>6/15/23</a:t>
+              <a:t>6/29/23</a:t>
             </a:fld>
             <a:endParaRPr lang="en-US"/>
           </a:p>
@@ -4476,7 +4477,7 @@
           <a:p>
             <a:fld id="{82EDB8D0-98ED-4B86-9D5F-E61ADC70144D}" type="datetimeFigureOut">
               <a:rPr lang="en-US" smtClean="0"/>
-              <a:t>6/15/23</a:t>
+              <a:t>6/29/23</a:t>
             </a:fld>
             <a:endParaRPr lang="en-US"/>
           </a:p>
@@ -4873,7 +4874,7 @@
           <a:p>
             <a:fld id="{82EDB8D0-98ED-4B86-9D5F-E61ADC70144D}" type="datetimeFigureOut">
               <a:rPr lang="en-US" smtClean="0"/>
-              <a:t>6/15/23</a:t>
+              <a:t>6/29/23</a:t>
             </a:fld>
             <a:endParaRPr lang="en-US"/>
           </a:p>
@@ -5468,7 +5469,7 @@
           <a:p>
             <a:fld id="{82EDB8D0-98ED-4B86-9D5F-E61ADC70144D}" type="datetimeFigureOut">
               <a:rPr lang="en-US" smtClean="0"/>
-              <a:t>6/15/23</a:t>
+              <a:t>6/29/23</a:t>
             </a:fld>
             <a:endParaRPr lang="en-US"/>
           </a:p>
@@ -6043,7 +6044,7 @@
           <a:p>
             <a:fld id="{82EDB8D0-98ED-4B86-9D5F-E61ADC70144D}" type="datetimeFigureOut">
               <a:rPr lang="en-US" smtClean="0"/>
-              <a:t>6/15/23</a:t>
+              <a:t>6/29/23</a:t>
             </a:fld>
             <a:endParaRPr lang="en-US"/>
           </a:p>
@@ -6570,9 +6571,9 @@
             <a:fld id="{82EDB8D0-98ED-4B86-9D5F-E61ADC70144D}" type="datetimeFigureOut">
               <a:rPr lang="en-US" smtClean="0"/>
               <a:pPr/>
-              <a:t>6/15/23</a:t>
+              <a:t>6/29/23</a:t>
             </a:fld>
-            <a:endParaRPr lang="en-US" dirty="0"/>
+            <a:endParaRPr lang="en-US"/>
           </a:p>
         </p:txBody>
       </p:sp>
@@ -7073,7 +7074,7 @@
               <a:tabLst/>
               <a:defRPr/>
             </a:pPr>
-            <a:endParaRPr kumimoji="0" lang="en-US" sz="1800" b="0" i="0" u="none" strike="noStrike" kern="1200" cap="none" spc="0" normalizeH="0" baseline="0" noProof="0">
+            <a:endParaRPr kumimoji="0" lang="en-US" sz="1800" b="0" i="0" u="none" strike="noStrike" kern="1200" cap="none" spc="0" normalizeH="0" baseline="0" noProof="0" dirty="0">
               <a:ln>
                 <a:noFill/>
               </a:ln>
@@ -7200,7 +7201,7 @@
               <a:tabLst/>
               <a:defRPr/>
             </a:pPr>
-            <a:endParaRPr kumimoji="0" lang="en-US" sz="1800" b="0" i="0" u="none" strike="noStrike" kern="1200" cap="none" spc="0" normalizeH="0" baseline="0" noProof="0">
+            <a:endParaRPr kumimoji="0" lang="en-US" sz="1800" b="0" i="0" u="none" strike="noStrike" kern="1200" cap="none" spc="0" normalizeH="0" baseline="0" noProof="0" dirty="0">
               <a:ln>
                 <a:noFill/>
               </a:ln>
@@ -7241,12 +7242,31 @@
         </p:spPr>
         <p:txBody>
           <a:bodyPr>
-            <a:normAutofit/>
+            <a:normAutofit fontScale="90000"/>
           </a:bodyPr>
           <a:lstStyle/>
           <a:p>
             <a:r>
-              <a:rPr kumimoji="1" lang="zh-TW" altLang="en-US" dirty="0">
+              <a:rPr kumimoji="1" lang="zh-TW" altLang="en-US" sz="7000" dirty="0">
+                <a:latin typeface="Microsoft YaHei" panose="020B0503020204020204" pitchFamily="34" charset="-122"/>
+                <a:ea typeface="Microsoft YaHei" panose="020B0503020204020204" pitchFamily="34" charset="-122"/>
+              </a:rPr>
+              <a:t>寿司</a:t>
+            </a:r>
+            <a:br>
+              <a:rPr kumimoji="1" lang="en-US" altLang="zh-TW" sz="7000" dirty="0">
+                <a:latin typeface="Microsoft YaHei" panose="020B0503020204020204" pitchFamily="34" charset="-122"/>
+                <a:ea typeface="Microsoft YaHei" panose="020B0503020204020204" pitchFamily="34" charset="-122"/>
+              </a:rPr>
+            </a:br>
+            <a:br>
+              <a:rPr kumimoji="1" lang="en-US" altLang="zh-TW" sz="3000" dirty="0">
+                <a:latin typeface="Microsoft YaHei" panose="020B0503020204020204" pitchFamily="34" charset="-122"/>
+                <a:ea typeface="Microsoft YaHei" panose="020B0503020204020204" pitchFamily="34" charset="-122"/>
+              </a:rPr>
+            </a:br>
+            <a:r>
+              <a:rPr kumimoji="1" lang="zh-TW" altLang="en-US" sz="3000" dirty="0">
                 <a:latin typeface="Microsoft YaHei" panose="020B0503020204020204" pitchFamily="34" charset="-122"/>
                 <a:ea typeface="Microsoft YaHei" panose="020B0503020204020204" pitchFamily="34" charset="-122"/>
               </a:rPr>
@@ -7408,7 +7428,7 @@
               <a:tabLst/>
               <a:defRPr/>
             </a:pPr>
-            <a:endParaRPr kumimoji="0" lang="en-US" sz="1800" b="0" i="0" u="none" strike="noStrike" kern="1200" cap="none" spc="0" normalizeH="0" baseline="0" noProof="0">
+            <a:endParaRPr kumimoji="0" lang="en-US" sz="1800" b="0" i="0" u="none" strike="noStrike" kern="1200" cap="none" spc="0" normalizeH="0" baseline="0" noProof="0" dirty="0">
               <a:ln>
                 <a:noFill/>
               </a:ln>
@@ -10463,7 +10483,14 @@
                 <a:latin typeface="Microsoft YaHei" panose="020B0503020204020204" pitchFamily="34" charset="-122"/>
                 <a:ea typeface="Microsoft YaHei" panose="020B0503020204020204" pitchFamily="34" charset="-122"/>
               </a:rPr>
-              <a:t>すること</a:t>
+              <a:t>する</a:t>
+            </a:r>
+            <a:r>
+              <a:rPr lang="zh-TW" altLang="en-US" sz="2400" dirty="0">
+                <a:latin typeface="Microsoft YaHei" panose="020B0503020204020204" pitchFamily="34" charset="-122"/>
+                <a:ea typeface="Microsoft YaHei" panose="020B0503020204020204" pitchFamily="34" charset="-122"/>
+              </a:rPr>
+              <a:t>ため</a:t>
             </a:r>
             <a:endParaRPr lang="en-US" sz="2400" dirty="0">
               <a:latin typeface="Microsoft YaHei" panose="020B0503020204020204" pitchFamily="34" charset="-122"/>
@@ -12485,14 +12512,14 @@
           <a:lstStyle/>
           <a:p>
             <a:r>
-              <a:rPr kumimoji="1" lang="en-US" altLang="zh-TW" sz="3300" dirty="0">
+              <a:rPr kumimoji="1" lang="en-US" altLang="zh-TW" sz="3000" dirty="0">
                 <a:latin typeface="Microsoft YaHei" panose="020B0503020204020204" pitchFamily="34" charset="-122"/>
                 <a:ea typeface="Microsoft YaHei" panose="020B0503020204020204" pitchFamily="34" charset="-122"/>
               </a:rPr>
               <a:t>03.</a:t>
             </a:r>
             <a:r>
-              <a:rPr kumimoji="1" lang="zh-TW" altLang="en-US" sz="3700" dirty="0">
+              <a:rPr kumimoji="1" lang="zh-TW" altLang="en-US" sz="3000" dirty="0">
                 <a:latin typeface="Microsoft YaHei" panose="020B0503020204020204" pitchFamily="34" charset="-122"/>
                 <a:ea typeface="Microsoft YaHei" panose="020B0503020204020204" pitchFamily="34" charset="-122"/>
               </a:rPr>
@@ -13503,7 +13530,14 @@
                 <a:latin typeface="Microsoft YaHei" panose="020B0503020204020204" pitchFamily="34" charset="-122"/>
                 <a:ea typeface="Microsoft YaHei" panose="020B0503020204020204" pitchFamily="34" charset="-122"/>
               </a:rPr>
-              <a:t>すること</a:t>
+              <a:t>する</a:t>
+            </a:r>
+            <a:r>
+              <a:rPr lang="zh-TW" altLang="en-US" sz="2400" dirty="0">
+                <a:latin typeface="Microsoft YaHei" panose="020B0503020204020204" pitchFamily="34" charset="-122"/>
+                <a:ea typeface="Microsoft YaHei" panose="020B0503020204020204" pitchFamily="34" charset="-122"/>
+              </a:rPr>
+              <a:t>ため</a:t>
             </a:r>
             <a:endParaRPr lang="en-US" sz="2400" dirty="0">
               <a:latin typeface="Microsoft YaHei" panose="020B0503020204020204" pitchFamily="34" charset="-122"/>
@@ -14098,7 +14132,7 @@
                 <a:latin typeface="Microsoft YaHei" panose="020B0503020204020204" pitchFamily="34" charset="-122"/>
                 <a:ea typeface="Microsoft YaHei" panose="020B0503020204020204" pitchFamily="34" charset="-122"/>
               </a:rPr>
-              <a:t>死亡すること</a:t>
+              <a:t>死亡するため</a:t>
             </a:r>
             <a:endParaRPr lang="en-US" sz="2400" dirty="0">
               <a:latin typeface="Microsoft YaHei" panose="020B0503020204020204" pitchFamily="34" charset="-122"/>
@@ -14111,6 +14145,99 @@
     <p:extLst>
       <p:ext uri="{BB962C8B-B14F-4D97-AF65-F5344CB8AC3E}">
         <p14:creationId xmlns:p14="http://schemas.microsoft.com/office/powerpoint/2010/main" val="306688666"/>
+      </p:ext>
+    </p:extLst>
+  </p:cSld>
+  <p:clrMapOvr>
+    <a:masterClrMapping/>
+  </p:clrMapOvr>
+</p:sld>
+</file>
+
+<file path=ppt/slides/slide17.xml><?xml version="1.0" encoding="utf-8"?>
+<p:sld xmlns:a="http://schemas.openxmlformats.org/drawingml/2006/main" xmlns:r="http://schemas.openxmlformats.org/officeDocument/2006/relationships" xmlns:p="http://schemas.openxmlformats.org/presentationml/2006/main">
+  <p:cSld>
+    <p:spTree>
+      <p:nvGrpSpPr>
+        <p:cNvPr id="1" name=""/>
+        <p:cNvGrpSpPr/>
+        <p:nvPr/>
+      </p:nvGrpSpPr>
+      <p:grpSpPr>
+        <a:xfrm>
+          <a:off x="0" y="0"/>
+          <a:ext cx="0" cy="0"/>
+          <a:chOff x="0" y="0"/>
+          <a:chExt cx="0" cy="0"/>
+        </a:xfrm>
+      </p:grpSpPr>
+      <p:sp>
+        <p:nvSpPr>
+          <p:cNvPr id="2" name="標題 1">
+            <a:extLst>
+              <a:ext uri="{FF2B5EF4-FFF2-40B4-BE49-F238E27FC236}">
+                <a16:creationId xmlns:a16="http://schemas.microsoft.com/office/drawing/2014/main" id="{E12CC8BD-5E91-97FC-A876-FF4410BBC442}"/>
+              </a:ext>
+            </a:extLst>
+          </p:cNvPr>
+          <p:cNvSpPr>
+            <a:spLocks noGrp="1"/>
+          </p:cNvSpPr>
+          <p:nvPr>
+            <p:ph type="title"/>
+          </p:nvPr>
+        </p:nvSpPr>
+        <p:spPr/>
+        <p:txBody>
+          <a:bodyPr/>
+          <a:lstStyle/>
+          <a:p>
+            <a:endParaRPr kumimoji="1" lang="zh-TW" altLang="en-US"/>
+          </a:p>
+        </p:txBody>
+      </p:sp>
+      <p:sp>
+        <p:nvSpPr>
+          <p:cNvPr id="3" name="內容版面配置區 2">
+            <a:extLst>
+              <a:ext uri="{FF2B5EF4-FFF2-40B4-BE49-F238E27FC236}">
+                <a16:creationId xmlns:a16="http://schemas.microsoft.com/office/drawing/2014/main" id="{8D16B0C2-C29D-33E9-B2E0-7B262369C970}"/>
+              </a:ext>
+            </a:extLst>
+          </p:cNvPr>
+          <p:cNvSpPr>
+            <a:spLocks noGrp="1"/>
+          </p:cNvSpPr>
+          <p:nvPr>
+            <p:ph idx="1"/>
+          </p:nvPr>
+        </p:nvSpPr>
+        <p:spPr>
+          <a:xfrm>
+            <a:off x="838200" y="2919920"/>
+            <a:ext cx="10515600" cy="1018159"/>
+          </a:xfrm>
+        </p:spPr>
+        <p:txBody>
+          <a:bodyPr>
+            <a:normAutofit/>
+          </a:bodyPr>
+          <a:lstStyle/>
+          <a:p>
+            <a:pPr marL="0" indent="0" algn="ctr">
+              <a:buNone/>
+            </a:pPr>
+            <a:r>
+              <a:rPr kumimoji="1" lang="zh-TW" altLang="en-US" sz="5000" dirty="0"/>
+              <a:t>ご静聴ありがとうございます</a:t>
+            </a:r>
+          </a:p>
+        </p:txBody>
+      </p:sp>
+    </p:spTree>
+    <p:extLst>
+      <p:ext uri="{BB962C8B-B14F-4D97-AF65-F5344CB8AC3E}">
+        <p14:creationId xmlns:p14="http://schemas.microsoft.com/office/powerpoint/2010/main" val="2479141102"/>
       </p:ext>
     </p:extLst>
   </p:cSld>
@@ -14311,7 +14438,7 @@
               <a:tabLst/>
               <a:defRPr/>
             </a:pPr>
-            <a:endParaRPr kumimoji="0" lang="en-US" sz="1800" b="0" i="0" u="none" strike="noStrike" kern="1200" cap="none" spc="0" normalizeH="0" baseline="0" noProof="0">
+            <a:endParaRPr kumimoji="0" lang="en-US" sz="1800" b="0" i="0" u="none" strike="noStrike" kern="1200" cap="none" spc="0" normalizeH="0" baseline="0" noProof="0" dirty="0">
               <a:ln>
                 <a:noFill/>
               </a:ln>
@@ -14461,7 +14588,7 @@
                 <a:latin typeface="Microsoft YaHei" panose="020B0503020204020204" pitchFamily="34" charset="-122"/>
                 <a:ea typeface="Microsoft YaHei" panose="020B0503020204020204" pitchFamily="34" charset="-122"/>
               </a:rPr>
-              <a:t>ないこと</a:t>
+              <a:t>ないため</a:t>
             </a:r>
             <a:endParaRPr lang="en-US" sz="2400" dirty="0">
               <a:latin typeface="Microsoft YaHei" panose="020B0503020204020204" pitchFamily="34" charset="-122"/>
@@ -14613,7 +14740,7 @@
               <a:tabLst/>
               <a:defRPr/>
             </a:pPr>
-            <a:endParaRPr kumimoji="0" lang="en-US" sz="1800" b="0" i="0" u="none" strike="noStrike" kern="1200" cap="none" spc="0" normalizeH="0" baseline="0" noProof="0">
+            <a:endParaRPr kumimoji="0" lang="en-US" sz="1800" b="0" i="0" u="none" strike="noStrike" kern="1200" cap="none" spc="0" normalizeH="0" baseline="0" noProof="0" dirty="0">
               <a:ln>
                 <a:noFill/>
               </a:ln>
@@ -14707,7 +14834,7 @@
               <a:tabLst/>
               <a:defRPr/>
             </a:pPr>
-            <a:endParaRPr kumimoji="0" lang="en-US" sz="1800" b="0" i="0" u="none" strike="noStrike" kern="1200" cap="none" spc="0" normalizeH="0" baseline="0" noProof="0">
+            <a:endParaRPr kumimoji="0" lang="en-US" sz="1800" b="0" i="0" u="none" strike="noStrike" kern="1200" cap="none" spc="0" normalizeH="0" baseline="0" noProof="0" dirty="0">
               <a:ln>
                 <a:noFill/>
               </a:ln>
@@ -14928,7 +15055,7 @@
               <a:tabLst/>
               <a:defRPr/>
             </a:pPr>
-            <a:endParaRPr kumimoji="0" lang="en-US" sz="1800" b="0" i="0" u="none" strike="noStrike" kern="1200" cap="none" spc="0" normalizeH="0" baseline="0" noProof="0">
+            <a:endParaRPr kumimoji="0" lang="en-US" sz="1800" b="0" i="0" u="none" strike="noStrike" kern="1200" cap="none" spc="0" normalizeH="0" baseline="0" noProof="0" dirty="0">
               <a:ln>
                 <a:noFill/>
               </a:ln>
@@ -15022,7 +15149,7 @@
               <a:tabLst/>
               <a:defRPr/>
             </a:pPr>
-            <a:endParaRPr kumimoji="0" lang="en-US" sz="1800" b="0" i="0" u="none" strike="noStrike" kern="1200" cap="none" spc="0" normalizeH="0" baseline="0" noProof="0">
+            <a:endParaRPr kumimoji="0" lang="en-US" sz="1800" b="0" i="0" u="none" strike="noStrike" kern="1200" cap="none" spc="0" normalizeH="0" baseline="0" noProof="0" dirty="0">
               <a:ln>
                 <a:noFill/>
               </a:ln>
@@ -15057,7 +15184,7 @@
         </p:nvSpPr>
         <p:spPr>
           <a:xfrm>
-            <a:off x="5894962" y="479493"/>
+            <a:off x="5894962" y="488637"/>
             <a:ext cx="5458838" cy="1325563"/>
           </a:xfrm>
         </p:spPr>
@@ -15075,7 +15202,7 @@
               <a:t>14.</a:t>
             </a:r>
             <a:r>
-              <a:rPr kumimoji="1" lang="zh-TW" altLang="en-US" sz="3000" dirty="0">
+              <a:rPr kumimoji="1" lang="zh-TW" altLang="en-US" sz="3000">
                 <a:latin typeface="Microsoft YaHei" panose="020B0503020204020204" pitchFamily="34" charset="-122"/>
                 <a:ea typeface="Microsoft YaHei" panose="020B0503020204020204" pitchFamily="34" charset="-122"/>
               </a:rPr>
@@ -15232,7 +15359,7 @@
               <a:tabLst/>
               <a:defRPr/>
             </a:pPr>
-            <a:endParaRPr kumimoji="0" lang="en-US" sz="1800" b="0" i="0" u="none" strike="noStrike" kern="1200" cap="none" spc="0" normalizeH="0" baseline="0" noProof="0">
+            <a:endParaRPr kumimoji="0" lang="en-US" sz="1800" b="0" i="0" u="none" strike="noStrike" kern="1200" cap="none" spc="0" normalizeH="0" baseline="0" noProof="0" dirty="0">
               <a:ln>
                 <a:noFill/>
               </a:ln>
@@ -15352,7 +15479,7 @@
           <a:lstStyle/>
           <a:p>
             <a:r>
-              <a:rPr lang="zh-TW" altLang="en-US" sz="2400" dirty="0">
+              <a:rPr lang="zh-TW" altLang="en-US" sz="2400">
                 <a:latin typeface="Microsoft YaHei" panose="020B0503020204020204" pitchFamily="34" charset="-122"/>
                 <a:ea typeface="Microsoft YaHei" panose="020B0503020204020204" pitchFamily="34" charset="-122"/>
               </a:rPr>
@@ -15366,7 +15493,7 @@
               <a:t>には</a:t>
             </a:r>
             <a:r>
-              <a:rPr lang="zh-TW" altLang="en-US" sz="2400" dirty="0">
+              <a:rPr lang="zh-TW" altLang="en-US" sz="2400">
                 <a:latin typeface="Microsoft YaHei" panose="020B0503020204020204" pitchFamily="34" charset="-122"/>
                 <a:ea typeface="Microsoft YaHei" panose="020B0503020204020204" pitchFamily="34" charset="-122"/>
               </a:rPr>
@@ -15380,7 +15507,7 @@
               <a:t>の</a:t>
             </a:r>
             <a:r>
-              <a:rPr lang="zh-TW" altLang="en-US" sz="2400" dirty="0">
+              <a:rPr lang="zh-TW" altLang="en-US" sz="2400">
                 <a:latin typeface="Microsoft YaHei" panose="020B0503020204020204" pitchFamily="34" charset="-122"/>
                 <a:ea typeface="Microsoft YaHei" panose="020B0503020204020204" pitchFamily="34" charset="-122"/>
               </a:rPr>
@@ -15394,7 +15521,7 @@
               <a:t>がない</a:t>
             </a:r>
             <a:r>
-              <a:rPr lang="zh-TW" altLang="en-US" sz="2400" dirty="0">
+              <a:rPr lang="zh-TW" altLang="en-US" sz="2400">
                 <a:latin typeface="Microsoft YaHei" panose="020B0503020204020204" pitchFamily="34" charset="-122"/>
                 <a:ea typeface="Microsoft YaHei" panose="020B0503020204020204" pitchFamily="34" charset="-122"/>
               </a:rPr>
@@ -15408,7 +15535,7 @@
               <a:t>、</a:t>
             </a:r>
             <a:r>
-              <a:rPr lang="zh-TW" altLang="en-US" sz="2400" dirty="0">
+              <a:rPr lang="zh-TW" altLang="en-US" sz="2400">
                 <a:latin typeface="Microsoft YaHei" panose="020B0503020204020204" pitchFamily="34" charset="-122"/>
                 <a:ea typeface="Microsoft YaHei" panose="020B0503020204020204" pitchFamily="34" charset="-122"/>
               </a:rPr>
@@ -15422,7 +15549,7 @@
               <a:t>は</a:t>
             </a:r>
             <a:r>
-              <a:rPr lang="zh-TW" altLang="en-US" sz="2400" dirty="0">
+              <a:rPr lang="zh-TW" altLang="en-US" sz="2400">
                 <a:latin typeface="Microsoft YaHei" panose="020B0503020204020204" pitchFamily="34" charset="-122"/>
                 <a:ea typeface="Microsoft YaHei" panose="020B0503020204020204" pitchFamily="34" charset="-122"/>
               </a:rPr>
@@ -15436,11 +15563,11 @@
               <a:t>できない</a:t>
             </a:r>
             <a:r>
-              <a:rPr lang="zh-TW" altLang="en-US" sz="2400" dirty="0">
+              <a:rPr lang="zh-TW" altLang="en-US" sz="2400">
                 <a:latin typeface="Microsoft YaHei" panose="020B0503020204020204" pitchFamily="34" charset="-122"/>
                 <a:ea typeface="Microsoft YaHei" panose="020B0503020204020204" pitchFamily="34" charset="-122"/>
               </a:rPr>
-              <a:t>こと</a:t>
+              <a:t>ため</a:t>
             </a:r>
             <a:endParaRPr lang="en-US" sz="2400" dirty="0">
               <a:latin typeface="Microsoft YaHei" panose="020B0503020204020204" pitchFamily="34" charset="-122"/>
@@ -15653,7 +15780,7 @@
               <a:tabLst/>
               <a:defRPr/>
             </a:pPr>
-            <a:endParaRPr kumimoji="0" lang="en-US" sz="1800" b="0" i="0" u="none" strike="noStrike" kern="1200" cap="none" spc="0" normalizeH="0" baseline="0" noProof="0">
+            <a:endParaRPr kumimoji="0" lang="en-US" sz="1800" b="0" i="0" u="none" strike="noStrike" kern="1200" cap="none" spc="0" normalizeH="0" baseline="0" noProof="0" dirty="0">
               <a:ln>
                 <a:noFill/>
               </a:ln>
@@ -15747,7 +15874,7 @@
               <a:tabLst/>
               <a:defRPr/>
             </a:pPr>
-            <a:endParaRPr kumimoji="0" lang="en-US" sz="1800" b="0" i="0" u="none" strike="noStrike" kern="1200" cap="none" spc="0" normalizeH="0" baseline="0" noProof="0">
+            <a:endParaRPr kumimoji="0" lang="en-US" sz="1800" b="0" i="0" u="none" strike="noStrike" kern="1200" cap="none" spc="0" normalizeH="0" baseline="0" noProof="0" dirty="0">
               <a:ln>
                 <a:noFill/>
               </a:ln>
@@ -15800,7 +15927,7 @@
               <a:t>13.</a:t>
             </a:r>
             <a:r>
-              <a:rPr kumimoji="1" lang="zh-TW" altLang="en-US" sz="3000" dirty="0">
+              <a:rPr kumimoji="1" lang="zh-TW" altLang="en-US" sz="3000">
                 <a:latin typeface="Microsoft YaHei" panose="020B0503020204020204" pitchFamily="34" charset="-122"/>
                 <a:ea typeface="Microsoft YaHei" panose="020B0503020204020204" pitchFamily="34" charset="-122"/>
               </a:rPr>
@@ -15957,7 +16084,7 @@
               <a:tabLst/>
               <a:defRPr/>
             </a:pPr>
-            <a:endParaRPr kumimoji="0" lang="en-US" sz="1800" b="0" i="0" u="none" strike="noStrike" kern="1200" cap="none" spc="0" normalizeH="0" baseline="0" noProof="0">
+            <a:endParaRPr kumimoji="0" lang="en-US" sz="1800" b="0" i="0" u="none" strike="noStrike" kern="1200" cap="none" spc="0" normalizeH="0" baseline="0" noProof="0" dirty="0">
               <a:ln>
                 <a:noFill/>
               </a:ln>
@@ -16076,7 +16203,36 @@
           </a:bodyPr>
           <a:lstStyle/>
           <a:p>
-            <a:endParaRPr lang="en-US" sz="2400" dirty="0"/>
+            <a:r>
+              <a:rPr lang="en-US" sz="2400" dirty="0" err="1">
+                <a:latin typeface="Microsoft YaHei" panose="020B0503020204020204" pitchFamily="34" charset="-122"/>
+                <a:ea typeface="Microsoft YaHei" panose="020B0503020204020204" pitchFamily="34" charset="-122"/>
+              </a:rPr>
+              <a:t>荷物を運ぶ用</a:t>
+            </a:r>
+            <a:endParaRPr lang="en-US" sz="2400" dirty="0">
+              <a:latin typeface="Microsoft YaHei" panose="020B0503020204020204" pitchFamily="34" charset="-122"/>
+              <a:ea typeface="Microsoft YaHei" panose="020B0503020204020204" pitchFamily="34" charset="-122"/>
+            </a:endParaRPr>
+          </a:p>
+          <a:p>
+            <a:endParaRPr lang="en-US" sz="2400" dirty="0">
+              <a:latin typeface="Microsoft YaHei" panose="020B0503020204020204" pitchFamily="34" charset="-122"/>
+              <a:ea typeface="Microsoft YaHei" panose="020B0503020204020204" pitchFamily="34" charset="-122"/>
+            </a:endParaRPr>
+          </a:p>
+          <a:p>
+            <a:r>
+              <a:rPr lang="en-US" sz="2400" dirty="0" err="1">
+                <a:latin typeface="Microsoft YaHei" panose="020B0503020204020204" pitchFamily="34" charset="-122"/>
+                <a:ea typeface="Microsoft YaHei" panose="020B0503020204020204" pitchFamily="34" charset="-122"/>
+              </a:rPr>
+              <a:t>ベット</a:t>
+            </a:r>
+            <a:endParaRPr lang="en-US" sz="2400" dirty="0">
+              <a:latin typeface="Microsoft YaHei" panose="020B0503020204020204" pitchFamily="34" charset="-122"/>
+              <a:ea typeface="Microsoft YaHei" panose="020B0503020204020204" pitchFamily="34" charset="-122"/>
+            </a:endParaRPr>
           </a:p>
         </p:txBody>
       </p:sp>
@@ -16374,7 +16530,17 @@
           </a:bodyPr>
           <a:lstStyle/>
           <a:p>
-            <a:endParaRPr lang="en-US" dirty="0"/>
+            <a:r>
+              <a:rPr lang="en-US" sz="2400" dirty="0" err="1">
+                <a:latin typeface="Microsoft YaHei" panose="020B0503020204020204" pitchFamily="34" charset="-122"/>
+                <a:ea typeface="Microsoft YaHei" panose="020B0503020204020204" pitchFamily="34" charset="-122"/>
+              </a:rPr>
+              <a:t>傷と病気があれば、使えるもの</a:t>
+            </a:r>
+            <a:endParaRPr lang="en-US" sz="2400" dirty="0">
+              <a:latin typeface="Microsoft YaHei" panose="020B0503020204020204" pitchFamily="34" charset="-122"/>
+              <a:ea typeface="Microsoft YaHei" panose="020B0503020204020204" pitchFamily="34" charset="-122"/>
+            </a:endParaRPr>
           </a:p>
         </p:txBody>
       </p:sp>
@@ -16517,7 +16683,7 @@
               <a:tabLst/>
               <a:defRPr/>
             </a:pPr>
-            <a:endParaRPr kumimoji="0" lang="en-US" sz="1800" b="0" i="0" u="none" strike="noStrike" kern="1200" cap="none" spc="0" normalizeH="0" baseline="0" noProof="0" dirty="0">
+            <a:endParaRPr kumimoji="0" lang="en-US" sz="1800" b="0" i="0" u="none" strike="noStrike" kern="1200" cap="none" spc="0" normalizeH="0" baseline="0" noProof="0">
               <a:ln>
                 <a:noFill/>
               </a:ln>
@@ -16865,7 +17031,7 @@
         </p:nvSpPr>
         <p:spPr>
           <a:xfrm>
-            <a:off x="838200" y="365125"/>
+            <a:off x="838200" y="355981"/>
             <a:ext cx="5387502" cy="1325563"/>
           </a:xfrm>
         </p:spPr>
@@ -16920,7 +17086,39 @@
           </a:bodyPr>
           <a:lstStyle/>
           <a:p>
-            <a:endParaRPr lang="en-US" dirty="0"/>
+            <a:r>
+              <a:rPr lang="en-US" sz="2400" dirty="0" err="1">
+                <a:latin typeface="Microsoft YaHei" panose="020B0503020204020204" pitchFamily="34" charset="-122"/>
+                <a:ea typeface="Microsoft YaHei" panose="020B0503020204020204" pitchFamily="34" charset="-122"/>
+              </a:rPr>
+              <a:t>大きくて、救助隊に見やすくなるために位置を表示用</a:t>
+            </a:r>
+            <a:endParaRPr lang="en-US" sz="2400" dirty="0">
+              <a:latin typeface="Microsoft YaHei" panose="020B0503020204020204" pitchFamily="34" charset="-122"/>
+              <a:ea typeface="Microsoft YaHei" panose="020B0503020204020204" pitchFamily="34" charset="-122"/>
+            </a:endParaRPr>
+          </a:p>
+          <a:p>
+            <a:pPr marL="0" indent="0">
+              <a:buNone/>
+            </a:pPr>
+            <a:endParaRPr lang="en-US" sz="2400" dirty="0">
+              <a:latin typeface="Microsoft YaHei" panose="020B0503020204020204" pitchFamily="34" charset="-122"/>
+              <a:ea typeface="Microsoft YaHei" panose="020B0503020204020204" pitchFamily="34" charset="-122"/>
+            </a:endParaRPr>
+          </a:p>
+          <a:p>
+            <a:r>
+              <a:rPr lang="en-US" sz="2400" dirty="0" err="1">
+                <a:latin typeface="Microsoft YaHei" panose="020B0503020204020204" pitchFamily="34" charset="-122"/>
+                <a:ea typeface="Microsoft YaHei" panose="020B0503020204020204" pitchFamily="34" charset="-122"/>
+              </a:rPr>
+              <a:t>布なので、保温できるもの</a:t>
+            </a:r>
+            <a:endParaRPr lang="en-US" sz="2400" dirty="0">
+              <a:latin typeface="Microsoft YaHei" panose="020B0503020204020204" pitchFamily="34" charset="-122"/>
+              <a:ea typeface="Microsoft YaHei" panose="020B0503020204020204" pitchFamily="34" charset="-122"/>
+            </a:endParaRPr>
           </a:p>
         </p:txBody>
       </p:sp>
@@ -18082,14 +18280,14 @@
           <a:lstStyle/>
           <a:p>
             <a:r>
-              <a:rPr kumimoji="1" lang="en-US" altLang="zh-TW" sz="3000" dirty="0">
+              <a:rPr kumimoji="1" lang="en-US" altLang="zh-TW" sz="3000">
                 <a:latin typeface="Microsoft YaHei" panose="020B0503020204020204" pitchFamily="34" charset="-122"/>
                 <a:ea typeface="Microsoft YaHei" panose="020B0503020204020204" pitchFamily="34" charset="-122"/>
               </a:rPr>
               <a:t>09.</a:t>
             </a:r>
             <a:r>
-              <a:rPr kumimoji="1" lang="zh-TW" altLang="en-US" sz="3000" dirty="0">
+              <a:rPr kumimoji="1" lang="zh-TW" altLang="en-US" sz="3000">
                 <a:latin typeface="Microsoft YaHei" panose="020B0503020204020204" pitchFamily="34" charset="-122"/>
                 <a:ea typeface="Microsoft YaHei" panose="020B0503020204020204" pitchFamily="34" charset="-122"/>
               </a:rPr>
@@ -18548,8 +18746,19 @@
                 <a:latin typeface="Microsoft YaHei" panose="020B0503020204020204" pitchFamily="34" charset="-122"/>
                 <a:ea typeface="Microsoft YaHei" panose="020B0503020204020204" pitchFamily="34" charset="-122"/>
               </a:rPr>
-              <a:t>宇宙服を壊れる可能性があること</a:t>
-            </a:r>
+              <a:t>宇宙服を壊れる可能性がある</a:t>
+            </a:r>
+            <a:r>
+              <a:rPr lang="zh-TW" altLang="en-US" sz="2400" dirty="0">
+                <a:latin typeface="Microsoft YaHei" panose="020B0503020204020204" pitchFamily="34" charset="-122"/>
+                <a:ea typeface="Microsoft YaHei" panose="020B0503020204020204" pitchFamily="34" charset="-122"/>
+              </a:rPr>
+              <a:t>ため</a:t>
+            </a:r>
+            <a:endParaRPr kumimoji="1" lang="zh-TW" altLang="en-US" sz="2400" dirty="0">
+              <a:latin typeface="Microsoft YaHei" panose="020B0503020204020204" pitchFamily="34" charset="-122"/>
+              <a:ea typeface="Microsoft YaHei" panose="020B0503020204020204" pitchFamily="34" charset="-122"/>
+            </a:endParaRPr>
           </a:p>
         </p:txBody>
       </p:sp>
